--- a/Java Урок 13 Класи.pptx
+++ b/Java Урок 13 Класи.pptx
@@ -278,7 +278,7 @@
           <a:p>
             <a:fld id="{BDA8E492-5DAE-4A13-8567-328CEAB41896}" type="datetimeFigureOut">
               <a:rPr lang="uk-UA" smtClean="0"/>
-              <a:t>23.12.2023</a:t>
+              <a:t>17.01.2024</a:t>
             </a:fld>
             <a:endParaRPr lang="uk-UA"/>
           </a:p>
@@ -478,7 +478,7 @@
           <a:p>
             <a:fld id="{BDA8E492-5DAE-4A13-8567-328CEAB41896}" type="datetimeFigureOut">
               <a:rPr lang="uk-UA" smtClean="0"/>
-              <a:t>23.12.2023</a:t>
+              <a:t>17.01.2024</a:t>
             </a:fld>
             <a:endParaRPr lang="uk-UA"/>
           </a:p>
@@ -688,7 +688,7 @@
           <a:p>
             <a:fld id="{BDA8E492-5DAE-4A13-8567-328CEAB41896}" type="datetimeFigureOut">
               <a:rPr lang="uk-UA" smtClean="0"/>
-              <a:t>23.12.2023</a:t>
+              <a:t>17.01.2024</a:t>
             </a:fld>
             <a:endParaRPr lang="uk-UA"/>
           </a:p>
@@ -1011,7 +1011,7 @@
           <a:p>
             <a:fld id="{BDA8E492-5DAE-4A13-8567-328CEAB41896}" type="datetimeFigureOut">
               <a:rPr lang="uk-UA" smtClean="0"/>
-              <a:t>23.12.2023</a:t>
+              <a:t>17.01.2024</a:t>
             </a:fld>
             <a:endParaRPr lang="uk-UA"/>
           </a:p>
@@ -1287,7 +1287,7 @@
           <a:p>
             <a:fld id="{BDA8E492-5DAE-4A13-8567-328CEAB41896}" type="datetimeFigureOut">
               <a:rPr lang="uk-UA" smtClean="0"/>
-              <a:t>23.12.2023</a:t>
+              <a:t>17.01.2024</a:t>
             </a:fld>
             <a:endParaRPr lang="uk-UA"/>
           </a:p>
@@ -1555,7 +1555,7 @@
           <a:p>
             <a:fld id="{BDA8E492-5DAE-4A13-8567-328CEAB41896}" type="datetimeFigureOut">
               <a:rPr lang="uk-UA" smtClean="0"/>
-              <a:t>23.12.2023</a:t>
+              <a:t>17.01.2024</a:t>
             </a:fld>
             <a:endParaRPr lang="uk-UA"/>
           </a:p>
@@ -1970,7 +1970,7 @@
           <a:p>
             <a:fld id="{BDA8E492-5DAE-4A13-8567-328CEAB41896}" type="datetimeFigureOut">
               <a:rPr lang="uk-UA" smtClean="0"/>
-              <a:t>23.12.2023</a:t>
+              <a:t>17.01.2024</a:t>
             </a:fld>
             <a:endParaRPr lang="uk-UA"/>
           </a:p>
@@ -2112,7 +2112,7 @@
           <a:p>
             <a:fld id="{BDA8E492-5DAE-4A13-8567-328CEAB41896}" type="datetimeFigureOut">
               <a:rPr lang="uk-UA" smtClean="0"/>
-              <a:t>23.12.2023</a:t>
+              <a:t>17.01.2024</a:t>
             </a:fld>
             <a:endParaRPr lang="uk-UA"/>
           </a:p>
@@ -2225,7 +2225,7 @@
           <a:p>
             <a:fld id="{BDA8E492-5DAE-4A13-8567-328CEAB41896}" type="datetimeFigureOut">
               <a:rPr lang="uk-UA" smtClean="0"/>
-              <a:t>23.12.2023</a:t>
+              <a:t>17.01.2024</a:t>
             </a:fld>
             <a:endParaRPr lang="uk-UA"/>
           </a:p>
@@ -2538,7 +2538,7 @@
           <a:p>
             <a:fld id="{BDA8E492-5DAE-4A13-8567-328CEAB41896}" type="datetimeFigureOut">
               <a:rPr lang="uk-UA" smtClean="0"/>
-              <a:t>23.12.2023</a:t>
+              <a:t>17.01.2024</a:t>
             </a:fld>
             <a:endParaRPr lang="uk-UA"/>
           </a:p>
@@ -2827,7 +2827,7 @@
           <a:p>
             <a:fld id="{BDA8E492-5DAE-4A13-8567-328CEAB41896}" type="datetimeFigureOut">
               <a:rPr lang="uk-UA" smtClean="0"/>
-              <a:t>23.12.2023</a:t>
+              <a:t>17.01.2024</a:t>
             </a:fld>
             <a:endParaRPr lang="uk-UA"/>
           </a:p>
@@ -3070,7 +3070,7 @@
           <a:p>
             <a:fld id="{BDA8E492-5DAE-4A13-8567-328CEAB41896}" type="datetimeFigureOut">
               <a:rPr lang="uk-UA" smtClean="0"/>
-              <a:t>23.12.2023</a:t>
+              <a:t>17.01.2024</a:t>
             </a:fld>
             <a:endParaRPr lang="uk-UA"/>
           </a:p>
@@ -3779,7 +3779,7 @@
           <a:graphicData uri="http://schemas.openxmlformats.org/presentationml/2006/ole">
             <mc:AlternateContent xmlns:mc="http://schemas.openxmlformats.org/markup-compatibility/2006">
               <mc:Choice xmlns:v="urn:schemas-microsoft-com:vml" Requires="v">
-                <p:oleObj spid="_x0000_s6188" name="Visio" r:id="rId3" imgW="3924399" imgH="2705355" progId="Visio.Drawing.11">
+                <p:oleObj spid="_x0000_s6190" name="Visio" r:id="rId3" imgW="3924399" imgH="2705355" progId="Visio.Drawing.11">
                   <p:embed/>
                 </p:oleObj>
               </mc:Choice>
@@ -3866,7 +3866,7 @@
           <a:graphicData uri="http://schemas.openxmlformats.org/presentationml/2006/ole">
             <mc:AlternateContent xmlns:mc="http://schemas.openxmlformats.org/markup-compatibility/2006">
               <mc:Choice xmlns:v="urn:schemas-microsoft-com:vml" Requires="v">
-                <p:oleObj spid="_x0000_s6189" name="Visio" r:id="rId5" imgW="3869611" imgH="1519238" progId="Visio.Drawing.11">
+                <p:oleObj spid="_x0000_s6191" name="Visio" r:id="rId5" imgW="3869611" imgH="1519238" progId="Visio.Drawing.11">
                   <p:embed/>
                 </p:oleObj>
               </mc:Choice>
@@ -3999,8 +3999,19 @@
                 <a:latin typeface="Times New Roman" panose="02020603050405020304" pitchFamily="18" charset="0"/>
                 <a:cs typeface="Times New Roman" panose="02020603050405020304" pitchFamily="18" charset="0"/>
               </a:rPr>
-              <a:t>Особливості використання конструкторів</a:t>
-            </a:r>
+              <a:t>Приклад </a:t>
+            </a:r>
+            <a:r>
+              <a:rPr lang="uk-UA" altLang="ru-RU">
+                <a:latin typeface="Times New Roman" panose="02020603050405020304" pitchFamily="18" charset="0"/>
+                <a:cs typeface="Times New Roman" panose="02020603050405020304" pitchFamily="18" charset="0"/>
+              </a:rPr>
+              <a:t>використання конструкторів</a:t>
+            </a:r>
+            <a:endParaRPr lang="uk-UA" altLang="ru-RU" dirty="0">
+              <a:latin typeface="Times New Roman" panose="02020603050405020304" pitchFamily="18" charset="0"/>
+              <a:cs typeface="Times New Roman" panose="02020603050405020304" pitchFamily="18" charset="0"/>
+            </a:endParaRPr>
           </a:p>
         </p:txBody>
       </p:sp>
@@ -4020,7 +4031,7 @@
           <a:graphicData uri="http://schemas.openxmlformats.org/presentationml/2006/ole">
             <mc:AlternateContent xmlns:mc="http://schemas.openxmlformats.org/markup-compatibility/2006">
               <mc:Choice xmlns:v="urn:schemas-microsoft-com:vml" Requires="v">
-                <p:oleObj spid="_x0000_s7233" name="Visio" r:id="rId3" imgW="2032989" imgH="782990" progId="Visio.Drawing.11">
+                <p:oleObj spid="_x0000_s7236" name="Visio" r:id="rId3" imgW="2032989" imgH="782990" progId="Visio.Drawing.11">
                   <p:embed/>
                 </p:oleObj>
               </mc:Choice>
@@ -4113,7 +4124,7 @@
           <a:graphicData uri="http://schemas.openxmlformats.org/presentationml/2006/ole">
             <mc:AlternateContent xmlns:mc="http://schemas.openxmlformats.org/markup-compatibility/2006">
               <mc:Choice xmlns:v="urn:schemas-microsoft-com:vml" Requires="v">
-                <p:oleObj spid="_x0000_s7234" name="Visio" r:id="rId5" imgW="4753531" imgH="3713663" progId="Visio.Drawing.11">
+                <p:oleObj spid="_x0000_s7237" name="Visio" r:id="rId5" imgW="4753531" imgH="3713663" progId="Visio.Drawing.11">
                   <p:embed/>
                 </p:oleObj>
               </mc:Choice>
@@ -4308,7 +4319,7 @@
           <a:graphicData uri="http://schemas.openxmlformats.org/presentationml/2006/ole">
             <mc:AlternateContent xmlns:mc="http://schemas.openxmlformats.org/markup-compatibility/2006">
               <mc:Choice xmlns:v="urn:schemas-microsoft-com:vml" Requires="v">
-                <p:oleObj spid="_x0000_s7235" name="Visio" r:id="rId7" imgW="4136379" imgH="1519238" progId="Visio.Drawing.11">
+                <p:oleObj spid="_x0000_s7238" name="Visio" r:id="rId7" imgW="4136379" imgH="1519238" progId="Visio.Drawing.11">
                   <p:embed/>
                 </p:oleObj>
               </mc:Choice>
@@ -4575,7 +4586,7 @@
           <a:graphicData uri="http://schemas.openxmlformats.org/presentationml/2006/ole">
             <mc:AlternateContent xmlns:mc="http://schemas.openxmlformats.org/markup-compatibility/2006">
               <mc:Choice xmlns:v="urn:schemas-microsoft-com:vml" Requires="v">
-                <p:oleObj spid="_x0000_s8236" name="Visio" r:id="rId3" imgW="4753531" imgH="3528588" progId="Visio.Drawing.11">
+                <p:oleObj spid="_x0000_s8238" name="Visio" r:id="rId3" imgW="4753531" imgH="3528588" progId="Visio.Drawing.11">
                   <p:embed/>
                 </p:oleObj>
               </mc:Choice>
@@ -4770,7 +4781,7 @@
           <a:graphicData uri="http://schemas.openxmlformats.org/presentationml/2006/ole">
             <mc:AlternateContent xmlns:mc="http://schemas.openxmlformats.org/markup-compatibility/2006">
               <mc:Choice xmlns:v="urn:schemas-microsoft-com:vml" Requires="v">
-                <p:oleObj spid="_x0000_s8237" name="Visio" r:id="rId5" imgW="3716672" imgH="1519238" progId="Visio.Drawing.11">
+                <p:oleObj spid="_x0000_s8239" name="Visio" r:id="rId5" imgW="3716672" imgH="1519238" progId="Visio.Drawing.11">
                   <p:embed/>
                 </p:oleObj>
               </mc:Choice>
@@ -4997,7 +5008,7 @@
           <a:graphicData uri="http://schemas.openxmlformats.org/presentationml/2006/ole">
             <mc:AlternateContent xmlns:mc="http://schemas.openxmlformats.org/markup-compatibility/2006">
               <mc:Choice xmlns:v="urn:schemas-microsoft-com:vml" Requires="v">
-                <p:oleObj spid="_x0000_s9260" name="Visio" r:id="rId3" imgW="3770619" imgH="1885066" progId="Visio.Drawing.11">
+                <p:oleObj spid="_x0000_s9262" name="Visio" r:id="rId3" imgW="3770619" imgH="1885066" progId="Visio.Drawing.11">
                   <p:embed/>
                 </p:oleObj>
               </mc:Choice>
@@ -5090,7 +5101,7 @@
           <a:graphicData uri="http://schemas.openxmlformats.org/presentationml/2006/ole">
             <mc:AlternateContent xmlns:mc="http://schemas.openxmlformats.org/markup-compatibility/2006">
               <mc:Choice xmlns:v="urn:schemas-microsoft-com:vml" Requires="v">
-                <p:oleObj spid="_x0000_s9261" name="Visio" r:id="rId5" imgW="5408986" imgH="2255486" progId="Visio.Drawing.11">
+                <p:oleObj spid="_x0000_s9263" name="Visio" r:id="rId5" imgW="5408986" imgH="2255486" progId="Visio.Drawing.11">
                   <p:embed/>
                 </p:oleObj>
               </mc:Choice>
@@ -5332,7 +5343,7 @@
           <a:graphicData uri="http://schemas.openxmlformats.org/presentationml/2006/ole">
             <mc:AlternateContent xmlns:mc="http://schemas.openxmlformats.org/markup-compatibility/2006">
               <mc:Choice xmlns:v="urn:schemas-microsoft-com:vml" Requires="v">
-                <p:oleObj spid="_x0000_s10263" name="Visio" r:id="rId3" imgW="5317546" imgH="3540206" progId="Visio.Drawing.11">
+                <p:oleObj spid="_x0000_s10264" name="Visio" r:id="rId3" imgW="5317546" imgH="3540206" progId="Visio.Drawing.11">
                   <p:embed/>
                 </p:oleObj>
               </mc:Choice>
@@ -5570,7 +5581,7 @@
           <a:graphicData uri="http://schemas.openxmlformats.org/presentationml/2006/ole">
             <mc:AlternateContent xmlns:mc="http://schemas.openxmlformats.org/markup-compatibility/2006">
               <mc:Choice xmlns:v="urn:schemas-microsoft-com:vml" Requires="v">
-                <p:oleObj spid="_x0000_s11308" name="Visio" r:id="rId3" imgW="5629322" imgH="1790744" progId="Visio.Drawing.11">
+                <p:oleObj spid="_x0000_s11310" name="Visio" r:id="rId3" imgW="5629322" imgH="1790744" progId="Visio.Drawing.11">
                   <p:embed/>
                 </p:oleObj>
               </mc:Choice>
@@ -5657,7 +5668,7 @@
           <a:graphicData uri="http://schemas.openxmlformats.org/presentationml/2006/ole">
             <mc:AlternateContent xmlns:mc="http://schemas.openxmlformats.org/markup-compatibility/2006">
               <mc:Choice xmlns:v="urn:schemas-microsoft-com:vml" Requires="v">
-                <p:oleObj spid="_x0000_s11309" name="Visio" r:id="rId5" imgW="4685019" imgH="2621314" progId="Visio.Drawing.11">
+                <p:oleObj spid="_x0000_s11311" name="Visio" r:id="rId5" imgW="4685019" imgH="2621314" progId="Visio.Drawing.11">
                   <p:embed/>
                 </p:oleObj>
               </mc:Choice>
@@ -5866,7 +5877,7 @@
           <a:graphicData uri="http://schemas.openxmlformats.org/presentationml/2006/ole">
             <mc:AlternateContent xmlns:mc="http://schemas.openxmlformats.org/markup-compatibility/2006">
               <mc:Choice xmlns:v="urn:schemas-microsoft-com:vml" Requires="v">
-                <p:oleObj spid="_x0000_s12332" name="Visio" r:id="rId3" imgW="3862059" imgH="972928" progId="Visio.Drawing.11">
+                <p:oleObj spid="_x0000_s12334" name="Visio" r:id="rId3" imgW="3862059" imgH="972928" progId="Visio.Drawing.11">
                   <p:embed/>
                 </p:oleObj>
               </mc:Choice>
@@ -6010,7 +6021,7 @@
           <a:graphicData uri="http://schemas.openxmlformats.org/presentationml/2006/ole">
             <mc:AlternateContent xmlns:mc="http://schemas.openxmlformats.org/markup-compatibility/2006">
               <mc:Choice xmlns:v="urn:schemas-microsoft-com:vml" Requires="v">
-                <p:oleObj spid="_x0000_s12333" name="Visio" r:id="rId5" imgW="5991445" imgH="3267315" progId="Visio.Drawing.11">
+                <p:oleObj spid="_x0000_s12335" name="Visio" r:id="rId5" imgW="5991445" imgH="3267315" progId="Visio.Drawing.11">
                   <p:embed/>
                 </p:oleObj>
               </mc:Choice>
@@ -6584,7 +6595,7 @@
           <a:graphicData uri="http://schemas.openxmlformats.org/presentationml/2006/ole">
             <mc:AlternateContent xmlns:mc="http://schemas.openxmlformats.org/markup-compatibility/2006">
               <mc:Choice xmlns:v="urn:schemas-microsoft-com:vml" Requires="v">
-                <p:oleObj spid="_x0000_s13356" name="Visio" r:id="rId3" imgW="5991445" imgH="3086338" progId="Visio.Drawing.11">
+                <p:oleObj spid="_x0000_s13358" name="Visio" r:id="rId3" imgW="5991445" imgH="3086338" progId="Visio.Drawing.11">
                   <p:embed/>
                 </p:oleObj>
               </mc:Choice>
@@ -6671,7 +6682,7 @@
           <a:graphicData uri="http://schemas.openxmlformats.org/presentationml/2006/ole">
             <mc:AlternateContent xmlns:mc="http://schemas.openxmlformats.org/markup-compatibility/2006">
               <mc:Choice xmlns:v="urn:schemas-microsoft-com:vml" Requires="v">
-                <p:oleObj spid="_x0000_s13357" name="Visio" r:id="rId5" imgW="5076875" imgH="1981447" progId="Visio.Drawing.11">
+                <p:oleObj spid="_x0000_s13359" name="Visio" r:id="rId5" imgW="5076875" imgH="1981447" progId="Visio.Drawing.11">
                   <p:embed/>
                 </p:oleObj>
               </mc:Choice>
@@ -10982,7 +10993,7 @@
           <a:graphicData uri="http://schemas.openxmlformats.org/presentationml/2006/ole">
             <mc:AlternateContent xmlns:mc="http://schemas.openxmlformats.org/markup-compatibility/2006">
               <mc:Choice xmlns:v="urn:schemas-microsoft-com:vml" Requires="v">
-                <p:oleObj spid="_x0000_s1048" name="Visio" r:id="rId3" imgW="3093192" imgH="2508626" progId="Visio.Drawing.11">
+                <p:oleObj spid="_x0000_s1049" name="Visio" r:id="rId3" imgW="3093192" imgH="2508626" progId="Visio.Drawing.11">
                   <p:embed/>
                 </p:oleObj>
               </mc:Choice>
@@ -11356,7 +11367,7 @@
           <a:graphicData uri="http://schemas.openxmlformats.org/presentationml/2006/ole">
             <mc:AlternateContent xmlns:mc="http://schemas.openxmlformats.org/markup-compatibility/2006">
               <mc:Choice xmlns:v="urn:schemas-microsoft-com:vml" Requires="v">
-                <p:oleObj spid="_x0000_s2092" name="Visio" r:id="rId3" imgW="3138091" imgH="3161139" progId="Visio.Drawing.11">
+                <p:oleObj spid="_x0000_s2094" name="Visio" r:id="rId3" imgW="3138091" imgH="3161139" progId="Visio.Drawing.11">
                   <p:embed/>
                 </p:oleObj>
               </mc:Choice>
@@ -11449,7 +11460,7 @@
           <a:graphicData uri="http://schemas.openxmlformats.org/presentationml/2006/ole">
             <mc:AlternateContent xmlns:mc="http://schemas.openxmlformats.org/markup-compatibility/2006">
               <mc:Choice xmlns:v="urn:schemas-microsoft-com:vml" Requires="v">
-                <p:oleObj spid="_x0000_s2093" name="Visio" r:id="rId5" imgW="1034702" imgH="966444" progId="Visio.Drawing.11">
+                <p:oleObj spid="_x0000_s2095" name="Visio" r:id="rId5" imgW="1034702" imgH="966444" progId="Visio.Drawing.11">
                   <p:embed/>
                 </p:oleObj>
               </mc:Choice>
@@ -17771,7 +17782,7 @@
           <a:graphicData uri="http://schemas.openxmlformats.org/presentationml/2006/ole">
             <mc:AlternateContent xmlns:mc="http://schemas.openxmlformats.org/markup-compatibility/2006">
               <mc:Choice xmlns:v="urn:schemas-microsoft-com:vml" Requires="v">
-                <p:oleObj spid="_x0000_s3095" name="Visio" r:id="rId3" imgW="3778171" imgH="3725551" progId="Visio.Drawing.11">
+                <p:oleObj spid="_x0000_s3096" name="Visio" r:id="rId3" imgW="3778171" imgH="3725551" progId="Visio.Drawing.11">
                   <p:embed/>
                 </p:oleObj>
               </mc:Choice>
@@ -17925,7 +17936,7 @@
           <a:graphicData uri="http://schemas.openxmlformats.org/presentationml/2006/ole">
             <mc:AlternateContent xmlns:mc="http://schemas.openxmlformats.org/markup-compatibility/2006">
               <mc:Choice xmlns:v="urn:schemas-microsoft-com:vml" Requires="v">
-                <p:oleObj spid="_x0000_s4266" name="Visio" r:id="rId3" imgW="4981712" imgH="1971721" progId="Visio.Drawing.11">
+                <p:oleObj spid="_x0000_s4274" name="Visio" r:id="rId3" imgW="4981712" imgH="1971721" progId="Visio.Drawing.11">
                   <p:embed/>
                 </p:oleObj>
               </mc:Choice>
@@ -18012,7 +18023,7 @@
           <a:graphicData uri="http://schemas.openxmlformats.org/presentationml/2006/ole">
             <mc:AlternateContent xmlns:mc="http://schemas.openxmlformats.org/markup-compatibility/2006">
               <mc:Choice xmlns:v="urn:schemas-microsoft-com:vml" Requires="v">
-                <p:oleObj spid="_x0000_s4267" name="Visio" r:id="rId5" imgW="3778171" imgH="2063116" progId="Visio.Drawing.11">
+                <p:oleObj spid="_x0000_s4275" name="Visio" r:id="rId5" imgW="3778171" imgH="2063116" progId="Visio.Drawing.11">
                   <p:embed/>
                 </p:oleObj>
               </mc:Choice>
@@ -18156,7 +18167,7 @@
           <a:graphicData uri="http://schemas.openxmlformats.org/presentationml/2006/ole">
             <mc:AlternateContent xmlns:mc="http://schemas.openxmlformats.org/markup-compatibility/2006">
               <mc:Choice xmlns:v="urn:schemas-microsoft-com:vml" Requires="v">
-                <p:oleObj spid="_x0000_s4268" name="Visio" r:id="rId7" imgW="368457" imgH="483627" progId="Visio.Drawing.11">
+                <p:oleObj spid="_x0000_s4276" name="Visio" r:id="rId7" imgW="368457" imgH="483627" progId="Visio.Drawing.11">
                   <p:embed/>
                 </p:oleObj>
               </mc:Choice>
@@ -18249,7 +18260,7 @@
           <a:graphicData uri="http://schemas.openxmlformats.org/presentationml/2006/ole">
             <mc:AlternateContent xmlns:mc="http://schemas.openxmlformats.org/markup-compatibility/2006">
               <mc:Choice xmlns:v="urn:schemas-microsoft-com:vml" Requires="v">
-                <p:oleObj spid="_x0000_s4269" name="Visio" r:id="rId9" imgW="368457" imgH="483627" progId="Visio.Drawing.11">
+                <p:oleObj spid="_x0000_s4277" name="Visio" r:id="rId9" imgW="368457" imgH="483627" progId="Visio.Drawing.11">
                   <p:embed/>
                 </p:oleObj>
               </mc:Choice>
@@ -18342,7 +18353,7 @@
           <a:graphicData uri="http://schemas.openxmlformats.org/presentationml/2006/ole">
             <mc:AlternateContent xmlns:mc="http://schemas.openxmlformats.org/markup-compatibility/2006">
               <mc:Choice xmlns:v="urn:schemas-microsoft-com:vml" Requires="v">
-                <p:oleObj spid="_x0000_s4270" name="Visio" r:id="rId10" imgW="368457" imgH="483627" progId="Visio.Drawing.11">
+                <p:oleObj spid="_x0000_s4278" name="Visio" r:id="rId10" imgW="368457" imgH="483627" progId="Visio.Drawing.11">
                   <p:embed/>
                 </p:oleObj>
               </mc:Choice>
@@ -18435,7 +18446,7 @@
           <a:graphicData uri="http://schemas.openxmlformats.org/presentationml/2006/ole">
             <mc:AlternateContent xmlns:mc="http://schemas.openxmlformats.org/markup-compatibility/2006">
               <mc:Choice xmlns:v="urn:schemas-microsoft-com:vml" Requires="v">
-                <p:oleObj spid="_x0000_s4271" name="Visio" r:id="rId11" imgW="440476" imgH="440398" progId="Visio.Drawing.11">
+                <p:oleObj spid="_x0000_s4279" name="Visio" r:id="rId11" imgW="440476" imgH="440398" progId="Visio.Drawing.11">
                   <p:embed/>
                 </p:oleObj>
               </mc:Choice>
@@ -18528,7 +18539,7 @@
           <a:graphicData uri="http://schemas.openxmlformats.org/presentationml/2006/ole">
             <mc:AlternateContent xmlns:mc="http://schemas.openxmlformats.org/markup-compatibility/2006">
               <mc:Choice xmlns:v="urn:schemas-microsoft-com:vml" Requires="v">
-                <p:oleObj spid="_x0000_s4272" name="Visio" r:id="rId13" imgW="368457" imgH="483627" progId="Visio.Drawing.11">
+                <p:oleObj spid="_x0000_s4280" name="Visio" r:id="rId13" imgW="368457" imgH="483627" progId="Visio.Drawing.11">
                   <p:embed/>
                 </p:oleObj>
               </mc:Choice>
@@ -18621,7 +18632,7 @@
           <a:graphicData uri="http://schemas.openxmlformats.org/presentationml/2006/ole">
             <mc:AlternateContent xmlns:mc="http://schemas.openxmlformats.org/markup-compatibility/2006">
               <mc:Choice xmlns:v="urn:schemas-microsoft-com:vml" Requires="v">
-                <p:oleObj spid="_x0000_s4273" name="Visio" r:id="rId14" imgW="440476" imgH="440398" progId="Visio.Drawing.11">
+                <p:oleObj spid="_x0000_s4281" name="Visio" r:id="rId14" imgW="440476" imgH="440398" progId="Visio.Drawing.11">
                   <p:embed/>
                 </p:oleObj>
               </mc:Choice>
@@ -18777,7 +18788,7 @@
           <a:graphicData uri="http://schemas.openxmlformats.org/presentationml/2006/ole">
             <mc:AlternateContent xmlns:mc="http://schemas.openxmlformats.org/markup-compatibility/2006">
               <mc:Choice xmlns:v="urn:schemas-microsoft-com:vml" Requires="v">
-                <p:oleObj spid="_x0000_s5164" name="Visio" r:id="rId3" imgW="3778171" imgH="4262404" progId="Visio.Drawing.11">
+                <p:oleObj spid="_x0000_s5166" name="Visio" r:id="rId3" imgW="3778171" imgH="4262404" progId="Visio.Drawing.11">
                   <p:embed/>
                 </p:oleObj>
               </mc:Choice>
@@ -18870,7 +18881,7 @@
           <a:graphicData uri="http://schemas.openxmlformats.org/presentationml/2006/ole">
             <mc:AlternateContent xmlns:mc="http://schemas.openxmlformats.org/markup-compatibility/2006">
               <mc:Choice xmlns:v="urn:schemas-microsoft-com:vml" Requires="v">
-                <p:oleObj spid="_x0000_s5165" name="Visio" r:id="rId5" imgW="3869611" imgH="3174648" progId="Visio.Drawing.11">
+                <p:oleObj spid="_x0000_s5167" name="Visio" r:id="rId5" imgW="3869611" imgH="3174648" progId="Visio.Drawing.11">
                   <p:embed/>
                 </p:oleObj>
               </mc:Choice>
